--- a/124/NETCONF/draft-ietf-netconf-distributed-notif-16.pptx
+++ b/124/NETCONF/draft-ietf-netconf-distributed-notif-16.pptx
@@ -243,13 +243,18 @@
       </a:defRPr>
     </a:lvl9pPr>
   </p:defaultTextStyle>
+  <p:extLst>
+    <p:ext uri="{EFAFB233-063F-42B5-8137-9DF3F51BA10A}">
+      <p15:sldGuideLst xmlns:p15="http://schemas.microsoft.com/office/powerpoint/2012/main"/>
+    </p:ext>
+  </p:extLst>
 </p:presentation>
 </file>
 
 <file path=ppt/revisionInfo.xml><?xml version="1.0" encoding="utf-8"?>
 <p1510:revInfo xmlns:a="http://schemas.openxmlformats.org/drawingml/2006/main" xmlns:r="http://schemas.openxmlformats.org/officeDocument/2006/relationships" xmlns:p1510="http://schemas.microsoft.com/office/powerpoint/2015/10/main">
   <p1510:revLst>
-    <p1510:client id="{D7F31611-15EA-4D74-9FD8-8D0AD7199884}" v="23" dt="2025-10-25T09:31:48.441"/>
+    <p1510:client id="{D7F31611-15EA-4D74-9FD8-8D0AD7199884}" v="24" dt="2025-10-26T12:29:12.854"/>
   </p1510:revLst>
 </p1510:revInfo>
 </file>
@@ -259,12 +264,12 @@
   <pc:docChgLst>
     <pc:chgData name="Graf Thomas, SCS-INI-NET-VNC-E2E" userId="487bc3e3-9ce7-4cdd-b7b4-8899ea88d289" providerId="ADAL" clId="{D7F31611-15EA-4D74-9FD8-8D0AD7199884}"/>
     <pc:docChg chg="undo redo custSel addSld modSld">
-      <pc:chgData name="Graf Thomas, SCS-INI-NET-VNC-E2E" userId="487bc3e3-9ce7-4cdd-b7b4-8899ea88d289" providerId="ADAL" clId="{D7F31611-15EA-4D74-9FD8-8D0AD7199884}" dt="2025-10-25T09:36:12.628" v="994" actId="20577"/>
+      <pc:chgData name="Graf Thomas, SCS-INI-NET-VNC-E2E" userId="487bc3e3-9ce7-4cdd-b7b4-8899ea88d289" providerId="ADAL" clId="{D7F31611-15EA-4D74-9FD8-8D0AD7199884}" dt="2025-10-26T12:29:12.854" v="1002"/>
       <pc:docMkLst>
         <pc:docMk/>
       </pc:docMkLst>
       <pc:sldChg chg="modSp mod">
-        <pc:chgData name="Graf Thomas, SCS-INI-NET-VNC-E2E" userId="487bc3e3-9ce7-4cdd-b7b4-8899ea88d289" providerId="ADAL" clId="{D7F31611-15EA-4D74-9FD8-8D0AD7199884}" dt="2025-10-25T09:01:38.348" v="752" actId="113"/>
+        <pc:chgData name="Graf Thomas, SCS-INI-NET-VNC-E2E" userId="487bc3e3-9ce7-4cdd-b7b4-8899ea88d289" providerId="ADAL" clId="{D7F31611-15EA-4D74-9FD8-8D0AD7199884}" dt="2025-10-26T12:29:06.409" v="1001" actId="113"/>
         <pc:sldMkLst>
           <pc:docMk/>
           <pc:sldMk cId="0" sldId="256"/>
@@ -278,7 +283,7 @@
           </ac:spMkLst>
         </pc:spChg>
         <pc:spChg chg="mod">
-          <ac:chgData name="Graf Thomas, SCS-INI-NET-VNC-E2E" userId="487bc3e3-9ce7-4cdd-b7b4-8899ea88d289" providerId="ADAL" clId="{D7F31611-15EA-4D74-9FD8-8D0AD7199884}" dt="2025-10-25T08:28:31.589" v="24"/>
+          <ac:chgData name="Graf Thomas, SCS-INI-NET-VNC-E2E" userId="487bc3e3-9ce7-4cdd-b7b4-8899ea88d289" providerId="ADAL" clId="{D7F31611-15EA-4D74-9FD8-8D0AD7199884}" dt="2025-10-26T12:29:06.409" v="1001" actId="113"/>
           <ac:spMkLst>
             <pc:docMk/>
             <pc:sldMk cId="0" sldId="256"/>
@@ -287,7 +292,7 @@
         </pc:spChg>
       </pc:sldChg>
       <pc:sldChg chg="addSp modSp mod">
-        <pc:chgData name="Graf Thomas, SCS-INI-NET-VNC-E2E" userId="487bc3e3-9ce7-4cdd-b7b4-8899ea88d289" providerId="ADAL" clId="{D7F31611-15EA-4D74-9FD8-8D0AD7199884}" dt="2025-10-25T09:33:31.704" v="912" actId="20577"/>
+        <pc:chgData name="Graf Thomas, SCS-INI-NET-VNC-E2E" userId="487bc3e3-9ce7-4cdd-b7b4-8899ea88d289" providerId="ADAL" clId="{D7F31611-15EA-4D74-9FD8-8D0AD7199884}" dt="2025-10-26T12:28:43.258" v="996" actId="113"/>
         <pc:sldMkLst>
           <pc:docMk/>
           <pc:sldMk cId="0" sldId="257"/>
@@ -325,7 +330,7 @@
           </ac:spMkLst>
         </pc:spChg>
         <pc:spChg chg="mod">
-          <ac:chgData name="Graf Thomas, SCS-INI-NET-VNC-E2E" userId="487bc3e3-9ce7-4cdd-b7b4-8899ea88d289" providerId="ADAL" clId="{D7F31611-15EA-4D74-9FD8-8D0AD7199884}" dt="2025-10-25T09:33:18.955" v="904" actId="20577"/>
+          <ac:chgData name="Graf Thomas, SCS-INI-NET-VNC-E2E" userId="487bc3e3-9ce7-4cdd-b7b4-8899ea88d289" providerId="ADAL" clId="{D7F31611-15EA-4D74-9FD8-8D0AD7199884}" dt="2025-10-26T12:28:43.258" v="996" actId="113"/>
           <ac:spMkLst>
             <pc:docMk/>
             <pc:sldMk cId="0" sldId="257"/>
@@ -341,12 +346,20 @@
           </ac:spMkLst>
         </pc:spChg>
       </pc:sldChg>
-      <pc:sldChg chg="modSp add mod">
-        <pc:chgData name="Graf Thomas, SCS-INI-NET-VNC-E2E" userId="487bc3e3-9ce7-4cdd-b7b4-8899ea88d289" providerId="ADAL" clId="{D7F31611-15EA-4D74-9FD8-8D0AD7199884}" dt="2025-10-25T09:36:12.628" v="994" actId="20577"/>
+      <pc:sldChg chg="addSp modSp add mod">
+        <pc:chgData name="Graf Thomas, SCS-INI-NET-VNC-E2E" userId="487bc3e3-9ce7-4cdd-b7b4-8899ea88d289" providerId="ADAL" clId="{D7F31611-15EA-4D74-9FD8-8D0AD7199884}" dt="2025-10-26T12:29:12.854" v="1002"/>
         <pc:sldMkLst>
           <pc:docMk/>
           <pc:sldMk cId="3248452810" sldId="258"/>
         </pc:sldMkLst>
+        <pc:spChg chg="add mod">
+          <ac:chgData name="Graf Thomas, SCS-INI-NET-VNC-E2E" userId="487bc3e3-9ce7-4cdd-b7b4-8899ea88d289" providerId="ADAL" clId="{D7F31611-15EA-4D74-9FD8-8D0AD7199884}" dt="2025-10-26T12:29:12.854" v="1002"/>
+          <ac:spMkLst>
+            <pc:docMk/>
+            <pc:sldMk cId="3248452810" sldId="258"/>
+            <ac:spMk id="2" creationId="{73E18441-6A30-0310-15F7-72A87C5FB833}"/>
+          </ac:spMkLst>
+        </pc:spChg>
         <pc:spChg chg="mod">
           <ac:chgData name="Graf Thomas, SCS-INI-NET-VNC-E2E" userId="487bc3e3-9ce7-4cdd-b7b4-8899ea88d289" providerId="ADAL" clId="{D7F31611-15EA-4D74-9FD8-8D0AD7199884}" dt="2025-10-25T09:33:35.832" v="914" actId="20577"/>
           <ac:spMkLst>
@@ -356,7 +369,7 @@
           </ac:spMkLst>
         </pc:spChg>
         <pc:spChg chg="mod">
-          <ac:chgData name="Graf Thomas, SCS-INI-NET-VNC-E2E" userId="487bc3e3-9ce7-4cdd-b7b4-8899ea88d289" providerId="ADAL" clId="{D7F31611-15EA-4D74-9FD8-8D0AD7199884}" dt="2025-10-25T09:36:12.628" v="994" actId="20577"/>
+          <ac:chgData name="Graf Thomas, SCS-INI-NET-VNC-E2E" userId="487bc3e3-9ce7-4cdd-b7b4-8899ea88d289" providerId="ADAL" clId="{D7F31611-15EA-4D74-9FD8-8D0AD7199884}" dt="2025-10-26T12:28:57.025" v="999" actId="20577"/>
           <ac:spMkLst>
             <pc:docMk/>
             <pc:sldMk cId="3248452810" sldId="258"/>
@@ -12544,7 +12557,7 @@
               <a:buSzPts val="1300"/>
             </a:pPr>
             <a:r>
-              <a:rPr lang="en-US" sz="1200" kern="1200" dirty="0">
+              <a:rPr lang="en-US" sz="1200" b="1" kern="1200" dirty="0">
                 <a:solidFill>
                   <a:schemeClr val="tx1"/>
                 </a:solidFill>
@@ -12555,7 +12568,7 @@
               </a:rPr>
               <a:t>thomas.graf@swisscom.com</a:t>
             </a:r>
-            <a:endParaRPr sz="1200" kern="1200" dirty="0">
+            <a:endParaRPr sz="1200" b="1" kern="1200" dirty="0">
               <a:solidFill>
                 <a:schemeClr val="tx1"/>
               </a:solidFill>
@@ -12636,7 +12649,7 @@
             </a:pPr>
             <a:r>
               <a:rPr lang="de-CH" sz="1200" dirty="0"/>
-              <a:t>25. </a:t>
+              <a:t>26. </a:t>
             </a:r>
             <a:r>
               <a:rPr lang="de-CH" sz="1200" dirty="0" err="1"/>
@@ -12834,7 +12847,11 @@
               <a:buSzPts val="1900"/>
             </a:pPr>
             <a:r>
-              <a:rPr lang="en-US" sz="1600" dirty="0"/>
+              <a:rPr lang="en-US" sz="1600" b="1" dirty="0">
+                <a:solidFill>
+                  <a:srgbClr val="FF0000"/>
+                </a:solidFill>
+              </a:rPr>
               <a:t>Addressed YANG doctors review in -15 and -16 and OPS directorate review in -14.</a:t>
             </a:r>
           </a:p>
@@ -13226,7 +13243,7 @@
                   <a:schemeClr val="tx1"/>
                 </a:solidFill>
               </a:rPr>
-              <a:t>What is your next step? </a:t>
+              <a:t>What is the next step? </a:t>
             </a:r>
           </a:p>
           <a:p>
@@ -13304,6 +13321,269 @@
               <a:t>3</a:t>
             </a:fld>
             <a:endParaRPr lang="en-US" sz="1400" dirty="0"/>
+          </a:p>
+        </p:txBody>
+      </p:sp>
+      <p:sp>
+        <p:nvSpPr>
+          <p:cNvPr id="2" name="Google Shape;90;p13">
+            <a:extLst>
+              <a:ext uri="{FF2B5EF4-FFF2-40B4-BE49-F238E27FC236}">
+                <a16:creationId xmlns:a16="http://schemas.microsoft.com/office/drawing/2014/main" id="{73E18441-6A30-0310-15F7-72A87C5FB833}"/>
+              </a:ext>
+            </a:extLst>
+          </p:cNvPr>
+          <p:cNvSpPr txBox="1"/>
+          <p:nvPr/>
+        </p:nvSpPr>
+        <p:spPr>
+          <a:xfrm>
+            <a:off x="533400" y="4861250"/>
+            <a:ext cx="11163900" cy="1500300"/>
+          </a:xfrm>
+          <a:prstGeom prst="rect">
+            <a:avLst/>
+          </a:prstGeom>
+          <a:noFill/>
+          <a:ln>
+            <a:noFill/>
+          </a:ln>
+        </p:spPr>
+        <p:txBody>
+          <a:bodyPr spcFirstLastPara="1" wrap="square" lIns="91425" tIns="45700" rIns="91425" bIns="45700" anchor="t" anchorCtr="0">
+            <a:normAutofit/>
+          </a:bodyPr>
+          <a:lstStyle/>
+          <a:p>
+            <a:pPr marR="0" lvl="0" algn="r">
+              <a:lnSpc>
+                <a:spcPct val="80000"/>
+              </a:lnSpc>
+              <a:spcBef>
+                <a:spcPts val="300"/>
+              </a:spcBef>
+              <a:spcAft>
+                <a:spcPts val="0"/>
+              </a:spcAft>
+              <a:buClr>
+                <a:schemeClr val="dk1"/>
+              </a:buClr>
+              <a:buSzPts val="1300"/>
+            </a:pPr>
+            <a:r>
+              <a:rPr lang="en-US" sz="1200" kern="1200" dirty="0">
+                <a:solidFill>
+                  <a:schemeClr val="tx1"/>
+                </a:solidFill>
+                <a:latin typeface="+mj-lt"/>
+                <a:ea typeface="+mn-ea"/>
+                <a:cs typeface="+mn-cs"/>
+                <a:sym typeface="Calibri"/>
+              </a:rPr>
+              <a:t>zhoutianran@huawei.com</a:t>
+            </a:r>
+            <a:endParaRPr sz="1200" kern="1200" dirty="0">
+              <a:solidFill>
+                <a:schemeClr val="tx1"/>
+              </a:solidFill>
+              <a:latin typeface="+mj-lt"/>
+              <a:ea typeface="+mn-ea"/>
+              <a:cs typeface="+mn-cs"/>
+            </a:endParaRPr>
+          </a:p>
+          <a:p>
+            <a:pPr marR="0" lvl="0" algn="r">
+              <a:lnSpc>
+                <a:spcPct val="80000"/>
+              </a:lnSpc>
+              <a:spcBef>
+                <a:spcPts val="300"/>
+              </a:spcBef>
+              <a:spcAft>
+                <a:spcPts val="0"/>
+              </a:spcAft>
+              <a:buClr>
+                <a:schemeClr val="dk1"/>
+              </a:buClr>
+              <a:buSzPts val="1300"/>
+            </a:pPr>
+            <a:r>
+              <a:rPr lang="en-US" sz="1200" kern="1200" dirty="0">
+                <a:solidFill>
+                  <a:schemeClr val="tx1"/>
+                </a:solidFill>
+                <a:latin typeface="+mj-lt"/>
+                <a:ea typeface="+mn-ea"/>
+                <a:cs typeface="+mn-cs"/>
+                <a:sym typeface="Calibri"/>
+              </a:rPr>
+              <a:t>zhengguangying@huawei.com</a:t>
+            </a:r>
+            <a:endParaRPr sz="1200" kern="1200" dirty="0">
+              <a:solidFill>
+                <a:schemeClr val="tx1"/>
+              </a:solidFill>
+              <a:latin typeface="+mj-lt"/>
+              <a:ea typeface="+mn-ea"/>
+              <a:cs typeface="+mn-cs"/>
+            </a:endParaRPr>
+          </a:p>
+          <a:p>
+            <a:pPr marR="0" lvl="0" algn="r">
+              <a:lnSpc>
+                <a:spcPct val="80000"/>
+              </a:lnSpc>
+              <a:spcBef>
+                <a:spcPts val="300"/>
+              </a:spcBef>
+              <a:spcAft>
+                <a:spcPts val="0"/>
+              </a:spcAft>
+              <a:buClr>
+                <a:schemeClr val="dk1"/>
+              </a:buClr>
+              <a:buSzPts val="1300"/>
+            </a:pPr>
+            <a:r>
+              <a:rPr lang="en-US" sz="1200" kern="1200" dirty="0">
+                <a:solidFill>
+                  <a:schemeClr val="tx1"/>
+                </a:solidFill>
+                <a:latin typeface="+mj-lt"/>
+                <a:ea typeface="+mn-ea"/>
+                <a:cs typeface="+mn-cs"/>
+                <a:sym typeface="Calibri"/>
+              </a:rPr>
+              <a:t>evoit@cisco.com</a:t>
+            </a:r>
+            <a:endParaRPr sz="1200" kern="1200" dirty="0">
+              <a:solidFill>
+                <a:schemeClr val="tx1"/>
+              </a:solidFill>
+              <a:latin typeface="+mj-lt"/>
+              <a:ea typeface="+mn-ea"/>
+              <a:cs typeface="+mn-cs"/>
+            </a:endParaRPr>
+          </a:p>
+          <a:p>
+            <a:pPr marR="0" lvl="0" algn="r">
+              <a:lnSpc>
+                <a:spcPct val="80000"/>
+              </a:lnSpc>
+              <a:spcBef>
+                <a:spcPts val="300"/>
+              </a:spcBef>
+              <a:spcAft>
+                <a:spcPts val="0"/>
+              </a:spcAft>
+              <a:buClr>
+                <a:schemeClr val="dk1"/>
+              </a:buClr>
+              <a:buSzPts val="1300"/>
+            </a:pPr>
+            <a:r>
+              <a:rPr lang="en-US" sz="1200" b="1" kern="1200" dirty="0">
+                <a:solidFill>
+                  <a:schemeClr val="tx1"/>
+                </a:solidFill>
+                <a:latin typeface="+mj-lt"/>
+                <a:ea typeface="+mn-ea"/>
+                <a:cs typeface="+mn-cs"/>
+                <a:sym typeface="Calibri"/>
+              </a:rPr>
+              <a:t>thomas.graf@swisscom.com</a:t>
+            </a:r>
+            <a:endParaRPr sz="1200" b="1" kern="1200" dirty="0">
+              <a:solidFill>
+                <a:schemeClr val="tx1"/>
+              </a:solidFill>
+              <a:latin typeface="+mj-lt"/>
+              <a:ea typeface="+mn-ea"/>
+              <a:cs typeface="+mn-cs"/>
+            </a:endParaRPr>
+          </a:p>
+          <a:p>
+            <a:pPr marR="0" lvl="0" algn="r">
+              <a:lnSpc>
+                <a:spcPct val="80000"/>
+              </a:lnSpc>
+              <a:spcBef>
+                <a:spcPts val="300"/>
+              </a:spcBef>
+              <a:spcAft>
+                <a:spcPts val="0"/>
+              </a:spcAft>
+              <a:buClr>
+                <a:schemeClr val="dk1"/>
+              </a:buClr>
+              <a:buSzPts val="1300"/>
+            </a:pPr>
+            <a:r>
+              <a:rPr lang="en-US" sz="1200" kern="1200" dirty="0">
+                <a:solidFill>
+                  <a:schemeClr val="tx1"/>
+                </a:solidFill>
+                <a:latin typeface="+mj-lt"/>
+                <a:ea typeface="+mn-ea"/>
+                <a:cs typeface="+mn-cs"/>
+                <a:sym typeface="Calibri"/>
+              </a:rPr>
+              <a:t>pierre.francois@insa-lyon.fr</a:t>
+            </a:r>
+            <a:endParaRPr sz="1200" kern="1200" dirty="0">
+              <a:solidFill>
+                <a:schemeClr val="tx1"/>
+              </a:solidFill>
+              <a:latin typeface="+mj-lt"/>
+              <a:ea typeface="+mn-ea"/>
+              <a:cs typeface="+mn-cs"/>
+            </a:endParaRPr>
+          </a:p>
+          <a:p>
+            <a:pPr marR="0" lvl="0" algn="r">
+              <a:lnSpc>
+                <a:spcPct val="80000"/>
+              </a:lnSpc>
+              <a:spcBef>
+                <a:spcPts val="300"/>
+              </a:spcBef>
+              <a:spcAft>
+                <a:spcPts val="0"/>
+              </a:spcAft>
+              <a:buClr>
+                <a:schemeClr val="dk1"/>
+              </a:buClr>
+              <a:buSzPts val="1300"/>
+            </a:pPr>
+            <a:endParaRPr sz="1200" kern="1200" dirty="0">
+              <a:solidFill>
+                <a:schemeClr val="tx1"/>
+              </a:solidFill>
+              <a:latin typeface="+mj-lt"/>
+              <a:ea typeface="+mn-ea"/>
+              <a:cs typeface="+mn-cs"/>
+              <a:sym typeface="Calibri"/>
+            </a:endParaRPr>
+          </a:p>
+          <a:p>
+            <a:pPr marL="0" indent="0" algn="r">
+              <a:spcBef>
+                <a:spcPts val="300"/>
+              </a:spcBef>
+              <a:buNone/>
+            </a:pPr>
+            <a:r>
+              <a:rPr lang="de-CH" sz="1200" dirty="0"/>
+              <a:t>26. </a:t>
+            </a:r>
+            <a:r>
+              <a:rPr lang="de-CH" sz="1200" dirty="0" err="1"/>
+              <a:t>October</a:t>
+            </a:r>
+            <a:r>
+              <a:rPr lang="de-CH" sz="1200" dirty="0"/>
+              <a:t> 2025</a:t>
+            </a:r>
           </a:p>
         </p:txBody>
       </p:sp>
@@ -13884,6 +14164,6 @@
 
 <file path=docMetadata/LabelInfo.xml><?xml version="1.0" encoding="utf-8"?>
 <clbl:labelList xmlns:clbl="http://schemas.microsoft.com/office/2020/mipLabelMetadata">
-  <clbl:label id="{2e1fccfb-80ca-4fe1-a574-1516544edb53}" enabled="1" method="Standard" siteId="{364e5b87-c1c7-420d-9bee-c35d19b557a1}" contentBits="0" removed="0"/>
+  <clbl:label id="{2e1fccfb-80ca-4fe1-a574-1516544edb53}" enabled="1" method="Standard" siteId="{364e5b87-c1c7-420d-9bee-c35d19b557a1}" removed="0"/>
 </clbl:labelList>
 </file>